--- a/doc/kolektivní energie.pptx
+++ b/doc/kolektivní energie.pptx
@@ -108,6 +108,11 @@
       </a:defRPr>
     </a:lvl9pPr>
   </p:defaultTextStyle>
+  <p:extLst>
+    <p:ext uri="{EFAFB233-063F-42B5-8137-9DF3F51BA10A}">
+      <p15:sldGuideLst xmlns:p15="http://schemas.microsoft.com/office/powerpoint/2012/main"/>
+    </p:ext>
+  </p:extLst>
 </p:presentation>
 </file>
 
@@ -242,7 +247,7 @@
           <a:p>
             <a:fld id="{6C5D24A8-EDFF-4D2E-9C55-998B4BD75338}" type="datetimeFigureOut">
               <a:rPr lang="cs-CZ" smtClean="0"/>
-              <a:t>2. 3. 2016</a:t>
+              <a:t>02.03.2016</a:t>
             </a:fld>
             <a:endParaRPr lang="cs-CZ"/>
           </a:p>
@@ -412,7 +417,7 @@
           <a:p>
             <a:fld id="{6C5D24A8-EDFF-4D2E-9C55-998B4BD75338}" type="datetimeFigureOut">
               <a:rPr lang="cs-CZ" smtClean="0"/>
-              <a:t>2. 3. 2016</a:t>
+              <a:t>02.03.2016</a:t>
             </a:fld>
             <a:endParaRPr lang="cs-CZ"/>
           </a:p>
@@ -592,7 +597,7 @@
           <a:p>
             <a:fld id="{6C5D24A8-EDFF-4D2E-9C55-998B4BD75338}" type="datetimeFigureOut">
               <a:rPr lang="cs-CZ" smtClean="0"/>
-              <a:t>2. 3. 2016</a:t>
+              <a:t>02.03.2016</a:t>
             </a:fld>
             <a:endParaRPr lang="cs-CZ"/>
           </a:p>
@@ -762,7 +767,7 @@
           <a:p>
             <a:fld id="{6C5D24A8-EDFF-4D2E-9C55-998B4BD75338}" type="datetimeFigureOut">
               <a:rPr lang="cs-CZ" smtClean="0"/>
-              <a:t>2. 3. 2016</a:t>
+              <a:t>02.03.2016</a:t>
             </a:fld>
             <a:endParaRPr lang="cs-CZ"/>
           </a:p>
@@ -1008,7 +1013,7 @@
           <a:p>
             <a:fld id="{6C5D24A8-EDFF-4D2E-9C55-998B4BD75338}" type="datetimeFigureOut">
               <a:rPr lang="cs-CZ" smtClean="0"/>
-              <a:t>2. 3. 2016</a:t>
+              <a:t>02.03.2016</a:t>
             </a:fld>
             <a:endParaRPr lang="cs-CZ"/>
           </a:p>
@@ -1240,7 +1245,7 @@
           <a:p>
             <a:fld id="{6C5D24A8-EDFF-4D2E-9C55-998B4BD75338}" type="datetimeFigureOut">
               <a:rPr lang="cs-CZ" smtClean="0"/>
-              <a:t>2. 3. 2016</a:t>
+              <a:t>02.03.2016</a:t>
             </a:fld>
             <a:endParaRPr lang="cs-CZ"/>
           </a:p>
@@ -1607,7 +1612,7 @@
           <a:p>
             <a:fld id="{6C5D24A8-EDFF-4D2E-9C55-998B4BD75338}" type="datetimeFigureOut">
               <a:rPr lang="cs-CZ" smtClean="0"/>
-              <a:t>2. 3. 2016</a:t>
+              <a:t>02.03.2016</a:t>
             </a:fld>
             <a:endParaRPr lang="cs-CZ"/>
           </a:p>
@@ -1725,7 +1730,7 @@
           <a:p>
             <a:fld id="{6C5D24A8-EDFF-4D2E-9C55-998B4BD75338}" type="datetimeFigureOut">
               <a:rPr lang="cs-CZ" smtClean="0"/>
-              <a:t>2. 3. 2016</a:t>
+              <a:t>02.03.2016</a:t>
             </a:fld>
             <a:endParaRPr lang="cs-CZ"/>
           </a:p>
@@ -1820,7 +1825,7 @@
           <a:p>
             <a:fld id="{6C5D24A8-EDFF-4D2E-9C55-998B4BD75338}" type="datetimeFigureOut">
               <a:rPr lang="cs-CZ" smtClean="0"/>
-              <a:t>2. 3. 2016</a:t>
+              <a:t>02.03.2016</a:t>
             </a:fld>
             <a:endParaRPr lang="cs-CZ"/>
           </a:p>
@@ -2097,7 +2102,7 @@
           <a:p>
             <a:fld id="{6C5D24A8-EDFF-4D2E-9C55-998B4BD75338}" type="datetimeFigureOut">
               <a:rPr lang="cs-CZ" smtClean="0"/>
-              <a:t>2. 3. 2016</a:t>
+              <a:t>02.03.2016</a:t>
             </a:fld>
             <a:endParaRPr lang="cs-CZ"/>
           </a:p>
@@ -2350,7 +2355,7 @@
           <a:p>
             <a:fld id="{6C5D24A8-EDFF-4D2E-9C55-998B4BD75338}" type="datetimeFigureOut">
               <a:rPr lang="cs-CZ" smtClean="0"/>
-              <a:t>2. 3. 2016</a:t>
+              <a:t>02.03.2016</a:t>
             </a:fld>
             <a:endParaRPr lang="cs-CZ"/>
           </a:p>
@@ -2563,7 +2568,7 @@
           <a:p>
             <a:fld id="{6C5D24A8-EDFF-4D2E-9C55-998B4BD75338}" type="datetimeFigureOut">
               <a:rPr lang="cs-CZ" smtClean="0"/>
-              <a:t>2. 3. 2016</a:t>
+              <a:t>02.03.2016</a:t>
             </a:fld>
             <a:endParaRPr lang="cs-CZ"/>
           </a:p>
@@ -3454,7 +3459,7 @@
         </p:nvSpPr>
         <p:spPr>
           <a:xfrm>
-            <a:off x="1938528" y="3711416"/>
+            <a:off x="1996249" y="3723140"/>
             <a:ext cx="3194304" cy="338554"/>
           </a:xfrm>
           <a:prstGeom prst="rect">
@@ -3709,11 +3714,7 @@
           <a:p>
             <a:r>
               <a:rPr lang="cs-CZ" sz="1000" dirty="0" smtClean="0"/>
-              <a:t>Propojíme Vás s vítězným dodavatelem. </a:t>
-            </a:r>
-            <a:r>
-              <a:rPr lang="cs-CZ" sz="1000" dirty="0" smtClean="0"/>
-              <a:t>Smlouvu podepisujete přímo s dodavatelem. Čerpáte výhody velkoodběratele.</a:t>
+              <a:t>Propojíme Vás s vítězným dodavatelem. Smlouvu podepisujete přímo s dodavatelem. Čerpáte výhody velkoodběratele.</a:t>
             </a:r>
             <a:endParaRPr lang="cs-CZ" sz="1000" dirty="0"/>
           </a:p>
